--- a/docs/diagrams/UiComponentClassDiagram.pptx
+++ b/docs/diagrams/UiComponentClassDiagram.pptx
@@ -208,7 +208,7 @@
           <a:p>
             <a:fld id="{F5CC4B3F-88C1-4FFA-B1B6-F41C21DC6924}" type="datetimeFigureOut">
               <a:rPr lang="en-US" smtClean="0"/>
-              <a:t>1/7/2017</a:t>
+              <a:t>11/7/17</a:t>
             </a:fld>
             <a:endParaRPr lang="en-US"/>
           </a:p>
@@ -654,7 +654,7 @@
           <a:p>
             <a:fld id="{78C97017-6FC3-485B-9764-EAC9E56C1D49}" type="datetimeFigureOut">
               <a:rPr lang="en-US" smtClean="0"/>
-              <a:t>1/7/2017</a:t>
+              <a:t>11/7/17</a:t>
             </a:fld>
             <a:endParaRPr lang="en-US"/>
           </a:p>
@@ -822,7 +822,7 @@
           <a:p>
             <a:fld id="{78C97017-6FC3-485B-9764-EAC9E56C1D49}" type="datetimeFigureOut">
               <a:rPr lang="en-US" smtClean="0"/>
-              <a:t>1/7/2017</a:t>
+              <a:t>11/7/17</a:t>
             </a:fld>
             <a:endParaRPr lang="en-US"/>
           </a:p>
@@ -1000,7 +1000,7 @@
           <a:p>
             <a:fld id="{78C97017-6FC3-485B-9764-EAC9E56C1D49}" type="datetimeFigureOut">
               <a:rPr lang="en-US" smtClean="0"/>
-              <a:t>1/7/2017</a:t>
+              <a:t>11/7/17</a:t>
             </a:fld>
             <a:endParaRPr lang="en-US"/>
           </a:p>
@@ -1168,7 +1168,7 @@
           <a:p>
             <a:fld id="{78C97017-6FC3-485B-9764-EAC9E56C1D49}" type="datetimeFigureOut">
               <a:rPr lang="en-US" smtClean="0"/>
-              <a:t>1/7/2017</a:t>
+              <a:t>11/7/17</a:t>
             </a:fld>
             <a:endParaRPr lang="en-US"/>
           </a:p>
@@ -1413,7 +1413,7 @@
           <a:p>
             <a:fld id="{78C97017-6FC3-485B-9764-EAC9E56C1D49}" type="datetimeFigureOut">
               <a:rPr lang="en-US" smtClean="0"/>
-              <a:t>1/7/2017</a:t>
+              <a:t>11/7/17</a:t>
             </a:fld>
             <a:endParaRPr lang="en-US"/>
           </a:p>
@@ -1698,7 +1698,7 @@
           <a:p>
             <a:fld id="{78C97017-6FC3-485B-9764-EAC9E56C1D49}" type="datetimeFigureOut">
               <a:rPr lang="en-US" smtClean="0"/>
-              <a:t>1/7/2017</a:t>
+              <a:t>11/7/17</a:t>
             </a:fld>
             <a:endParaRPr lang="en-US"/>
           </a:p>
@@ -2117,7 +2117,7 @@
           <a:p>
             <a:fld id="{78C97017-6FC3-485B-9764-EAC9E56C1D49}" type="datetimeFigureOut">
               <a:rPr lang="en-US" smtClean="0"/>
-              <a:t>1/7/2017</a:t>
+              <a:t>11/7/17</a:t>
             </a:fld>
             <a:endParaRPr lang="en-US"/>
           </a:p>
@@ -2234,7 +2234,7 @@
           <a:p>
             <a:fld id="{78C97017-6FC3-485B-9764-EAC9E56C1D49}" type="datetimeFigureOut">
               <a:rPr lang="en-US" smtClean="0"/>
-              <a:t>1/7/2017</a:t>
+              <a:t>11/7/17</a:t>
             </a:fld>
             <a:endParaRPr lang="en-US"/>
           </a:p>
@@ -2329,7 +2329,7 @@
           <a:p>
             <a:fld id="{78C97017-6FC3-485B-9764-EAC9E56C1D49}" type="datetimeFigureOut">
               <a:rPr lang="en-US" smtClean="0"/>
-              <a:t>1/7/2017</a:t>
+              <a:t>11/7/17</a:t>
             </a:fld>
             <a:endParaRPr lang="en-US"/>
           </a:p>
@@ -2604,7 +2604,7 @@
           <a:p>
             <a:fld id="{78C97017-6FC3-485B-9764-EAC9E56C1D49}" type="datetimeFigureOut">
               <a:rPr lang="en-US" smtClean="0"/>
-              <a:t>1/7/2017</a:t>
+              <a:t>11/7/17</a:t>
             </a:fld>
             <a:endParaRPr lang="en-US"/>
           </a:p>
@@ -2856,7 +2856,7 @@
           <a:p>
             <a:fld id="{78C97017-6FC3-485B-9764-EAC9E56C1D49}" type="datetimeFigureOut">
               <a:rPr lang="en-US" smtClean="0"/>
-              <a:t>1/7/2017</a:t>
+              <a:t>11/7/17</a:t>
             </a:fld>
             <a:endParaRPr lang="en-US"/>
           </a:p>
@@ -3067,7 +3067,7 @@
           <a:p>
             <a:fld id="{78C97017-6FC3-485B-9764-EAC9E56C1D49}" type="datetimeFigureOut">
               <a:rPr lang="en-US" smtClean="0"/>
-              <a:t>1/7/2017</a:t>
+              <a:t>11/7/17</a:t>
             </a:fld>
             <a:endParaRPr lang="en-US"/>
           </a:p>
@@ -3450,8 +3450,8 @@
         </p:nvSpPr>
         <p:spPr>
           <a:xfrm>
-            <a:off x="1217465" y="1447800"/>
-            <a:ext cx="4917083" cy="3962400"/>
+            <a:off x="1143000" y="1295400"/>
+            <a:ext cx="5264469" cy="4876800"/>
           </a:xfrm>
           <a:prstGeom prst="roundRect">
             <a:avLst>
@@ -3945,7 +3945,7 @@
         </p:nvSpPr>
         <p:spPr>
           <a:xfrm>
-            <a:off x="2592527" y="4563759"/>
+            <a:off x="2592524" y="5287659"/>
             <a:ext cx="1093635" cy="236841"/>
           </a:xfrm>
           <a:prstGeom prst="rect">
@@ -4125,7 +4125,7 @@
         </p:nvSpPr>
         <p:spPr>
           <a:xfrm>
-            <a:off x="2592528" y="4966000"/>
+            <a:off x="2592525" y="5725889"/>
             <a:ext cx="1093635" cy="236841"/>
           </a:xfrm>
           <a:prstGeom prst="rect">
@@ -4419,8 +4419,8 @@
         </p:nvCxnSpPr>
         <p:spPr>
           <a:xfrm rot="16200000" flipH="1">
-            <a:off x="1597249" y="3686901"/>
-            <a:ext cx="1814155" cy="176401"/>
+            <a:off x="1235298" y="4048853"/>
+            <a:ext cx="2538055" cy="176398"/>
           </a:xfrm>
           <a:prstGeom prst="bentConnector2">
             <a:avLst/>
@@ -4459,8 +4459,8 @@
         </p:nvCxnSpPr>
         <p:spPr>
           <a:xfrm rot="16200000" flipH="1">
-            <a:off x="1184119" y="3676012"/>
-            <a:ext cx="2396440" cy="420377"/>
+            <a:off x="821067" y="4072852"/>
+            <a:ext cx="3156328" cy="386587"/>
           </a:xfrm>
           <a:prstGeom prst="bentConnector2">
             <a:avLst/>
@@ -4743,8 +4743,8 @@
         </p:nvCxnSpPr>
         <p:spPr>
           <a:xfrm rot="5400000">
-            <a:off x="3409976" y="2562187"/>
-            <a:ext cx="2396180" cy="1843807"/>
+            <a:off x="3048024" y="2924135"/>
+            <a:ext cx="3120080" cy="1843810"/>
           </a:xfrm>
           <a:prstGeom prst="bentConnector2">
             <a:avLst/>
@@ -4784,8 +4784,8 @@
         </p:nvCxnSpPr>
         <p:spPr>
           <a:xfrm rot="5400000">
-            <a:off x="3208856" y="2763307"/>
-            <a:ext cx="2798421" cy="1843806"/>
+            <a:off x="2828910" y="3143251"/>
+            <a:ext cx="3558310" cy="1843809"/>
           </a:xfrm>
           <a:prstGeom prst="bentConnector2">
             <a:avLst/>
@@ -5498,6 +5498,357 @@
           </a:effectRef>
           <a:fontRef idx="minor">
             <a:schemeClr val="dk1"/>
+          </a:fontRef>
+        </p:style>
+        <p:txBody>
+          <a:bodyPr rtlCol="0" anchor="ctr"/>
+          <a:lstStyle/>
+          <a:p>
+            <a:pPr algn="ctr"/>
+            <a:endParaRPr lang="en-SG"/>
+          </a:p>
+        </p:txBody>
+      </p:sp>
+      <p:sp>
+        <p:nvSpPr>
+          <p:cNvPr id="48" name="Rectangle 11"/>
+          <p:cNvSpPr/>
+          <p:nvPr/>
+        </p:nvSpPr>
+        <p:spPr>
+          <a:xfrm>
+            <a:off x="2592523" y="4639809"/>
+            <a:ext cx="1093635" cy="236841"/>
+          </a:xfrm>
+          <a:prstGeom prst="rect">
+            <a:avLst/>
+          </a:prstGeom>
+          <a:ln w="19050">
+            <a:solidFill>
+              <a:schemeClr val="accent3"/>
+            </a:solidFill>
+          </a:ln>
+          <a:effectLst/>
+        </p:spPr>
+        <p:style>
+          <a:lnRef idx="1">
+            <a:schemeClr val="accent3"/>
+          </a:lnRef>
+          <a:fillRef idx="2">
+            <a:schemeClr val="accent3"/>
+          </a:fillRef>
+          <a:effectRef idx="1">
+            <a:schemeClr val="accent3"/>
+          </a:effectRef>
+          <a:fontRef idx="minor">
+            <a:schemeClr val="dk1"/>
+          </a:fontRef>
+        </p:style>
+        <p:txBody>
+          <a:bodyPr rtlCol="0" anchor="ctr"/>
+          <a:lstStyle/>
+          <a:p>
+            <a:pPr algn="ctr"/>
+            <a:r>
+              <a:rPr lang="en-US" sz="1050" b="1" dirty="0" err="1" smtClean="0">
+                <a:solidFill>
+                  <a:schemeClr val="accent3">
+                    <a:lumMod val="75000"/>
+                  </a:schemeClr>
+                </a:solidFill>
+              </a:rPr>
+              <a:t>Task</a:t>
+            </a:r>
+            <a:r>
+              <a:rPr lang="en-US" sz="1050" b="1" dirty="0" err="1" smtClean="0">
+                <a:solidFill>
+                  <a:schemeClr val="accent3">
+                    <a:lumMod val="75000"/>
+                  </a:schemeClr>
+                </a:solidFill>
+              </a:rPr>
+              <a:t>ListPanel</a:t>
+            </a:r>
+            <a:endParaRPr lang="en-SG" sz="1050" b="1" dirty="0">
+              <a:solidFill>
+                <a:schemeClr val="accent3">
+                  <a:lumMod val="75000"/>
+                </a:schemeClr>
+              </a:solidFill>
+            </a:endParaRPr>
+          </a:p>
+        </p:txBody>
+      </p:sp>
+      <p:cxnSp>
+        <p:nvCxnSpPr>
+          <p:cNvPr id="49" name="Elbow Connector 63"/>
+          <p:cNvCxnSpPr/>
+          <p:nvPr/>
+        </p:nvCxnSpPr>
+        <p:spPr>
+          <a:xfrm rot="16200000" flipH="1">
+            <a:off x="1882285" y="4060879"/>
+            <a:ext cx="1242356" cy="176400"/>
+          </a:xfrm>
+          <a:prstGeom prst="bentConnector2">
+            <a:avLst/>
+          </a:prstGeom>
+          <a:ln w="19050">
+            <a:solidFill>
+              <a:schemeClr val="accent3"/>
+            </a:solidFill>
+            <a:headEnd type="none" w="med" len="med"/>
+            <a:tailEnd type="arrow" w="med" len="med"/>
+          </a:ln>
+          <a:effectLst/>
+        </p:spPr>
+        <p:style>
+          <a:lnRef idx="1">
+            <a:schemeClr val="accent2"/>
+          </a:lnRef>
+          <a:fillRef idx="2">
+            <a:schemeClr val="accent2"/>
+          </a:fillRef>
+          <a:effectRef idx="1">
+            <a:schemeClr val="accent2"/>
+          </a:effectRef>
+          <a:fontRef idx="minor">
+            <a:schemeClr val="dk1"/>
+          </a:fontRef>
+        </p:style>
+      </p:cxnSp>
+      <p:cxnSp>
+        <p:nvCxnSpPr>
+          <p:cNvPr id="51" name="Elbow Connector 50"/>
+          <p:cNvCxnSpPr/>
+          <p:nvPr/>
+        </p:nvCxnSpPr>
+        <p:spPr>
+          <a:xfrm rot="16200000" flipH="1">
+            <a:off x="3430123" y="4583811"/>
+            <a:ext cx="118421" cy="699979"/>
+          </a:xfrm>
+          <a:prstGeom prst="bentConnector2">
+            <a:avLst/>
+          </a:prstGeom>
+          <a:ln w="19050">
+            <a:solidFill>
+              <a:schemeClr val="accent3"/>
+            </a:solidFill>
+            <a:headEnd type="none" w="med" len="med"/>
+            <a:tailEnd type="arrow" w="med" len="med"/>
+          </a:ln>
+          <a:effectLst/>
+        </p:spPr>
+        <p:style>
+          <a:lnRef idx="1">
+            <a:schemeClr val="accent2"/>
+          </a:lnRef>
+          <a:fillRef idx="2">
+            <a:schemeClr val="accent2"/>
+          </a:fillRef>
+          <a:effectRef idx="1">
+            <a:schemeClr val="accent2"/>
+          </a:effectRef>
+          <a:fontRef idx="minor">
+            <a:schemeClr val="dk1"/>
+          </a:fontRef>
+        </p:style>
+      </p:cxnSp>
+      <p:sp>
+        <p:nvSpPr>
+          <p:cNvPr id="52" name="Rectangle 11"/>
+          <p:cNvSpPr/>
+          <p:nvPr/>
+        </p:nvSpPr>
+        <p:spPr>
+          <a:xfrm>
+            <a:off x="3852022" y="4874590"/>
+            <a:ext cx="1040906" cy="236841"/>
+          </a:xfrm>
+          <a:prstGeom prst="rect">
+            <a:avLst/>
+          </a:prstGeom>
+          <a:ln w="19050">
+            <a:solidFill>
+              <a:schemeClr val="accent3"/>
+            </a:solidFill>
+          </a:ln>
+          <a:effectLst/>
+        </p:spPr>
+        <p:style>
+          <a:lnRef idx="1">
+            <a:schemeClr val="accent3"/>
+          </a:lnRef>
+          <a:fillRef idx="2">
+            <a:schemeClr val="accent3"/>
+          </a:fillRef>
+          <a:effectRef idx="1">
+            <a:schemeClr val="accent3"/>
+          </a:effectRef>
+          <a:fontRef idx="minor">
+            <a:schemeClr val="dk1"/>
+          </a:fontRef>
+        </p:style>
+        <p:txBody>
+          <a:bodyPr rtlCol="0" anchor="ctr"/>
+          <a:lstStyle/>
+          <a:p>
+            <a:pPr algn="ctr"/>
+            <a:r>
+              <a:rPr lang="en-US" sz="1050" b="1" dirty="0" err="1" smtClean="0">
+                <a:solidFill>
+                  <a:schemeClr val="accent3">
+                    <a:lumMod val="75000"/>
+                  </a:schemeClr>
+                </a:solidFill>
+              </a:rPr>
+              <a:t>Task</a:t>
+            </a:r>
+            <a:r>
+              <a:rPr lang="en-US" sz="1050" b="1" dirty="0" err="1" smtClean="0">
+                <a:solidFill>
+                  <a:schemeClr val="accent3">
+                    <a:lumMod val="75000"/>
+                  </a:schemeClr>
+                </a:solidFill>
+              </a:rPr>
+              <a:t>Card</a:t>
+            </a:r>
+            <a:endParaRPr lang="en-SG" sz="1050" b="1" dirty="0">
+              <a:solidFill>
+                <a:schemeClr val="accent3">
+                  <a:lumMod val="75000"/>
+                </a:schemeClr>
+              </a:solidFill>
+            </a:endParaRPr>
+          </a:p>
+        </p:txBody>
+      </p:sp>
+      <p:sp>
+        <p:nvSpPr>
+          <p:cNvPr id="54" name="Freeform 53"/>
+          <p:cNvSpPr/>
+          <p:nvPr/>
+        </p:nvSpPr>
+        <p:spPr>
+          <a:xfrm flipV="1">
+            <a:off x="4110475" y="5128350"/>
+            <a:ext cx="2642195" cy="101600"/>
+          </a:xfrm>
+          <a:custGeom>
+            <a:avLst/>
+            <a:gdLst>
+              <a:gd name="connsiteX0" fmla="*/ 0 w 3048000"/>
+              <a:gd name="connsiteY0" fmla="*/ 203200 h 203200"/>
+              <a:gd name="connsiteX1" fmla="*/ 221673 w 3048000"/>
+              <a:gd name="connsiteY1" fmla="*/ 0 h 203200"/>
+              <a:gd name="connsiteX2" fmla="*/ 3048000 w 3048000"/>
+              <a:gd name="connsiteY2" fmla="*/ 0 h 203200"/>
+            </a:gdLst>
+            <a:ahLst/>
+            <a:cxnLst>
+              <a:cxn ang="0">
+                <a:pos x="connsiteX0" y="connsiteY0"/>
+              </a:cxn>
+              <a:cxn ang="0">
+                <a:pos x="connsiteX1" y="connsiteY1"/>
+              </a:cxn>
+              <a:cxn ang="0">
+                <a:pos x="connsiteX2" y="connsiteY2"/>
+              </a:cxn>
+            </a:cxnLst>
+            <a:rect l="l" t="t" r="r" b="b"/>
+            <a:pathLst>
+              <a:path w="3048000" h="203200">
+                <a:moveTo>
+                  <a:pt x="0" y="203200"/>
+                </a:moveTo>
+                <a:lnTo>
+                  <a:pt x="221673" y="0"/>
+                </a:lnTo>
+                <a:lnTo>
+                  <a:pt x="3048000" y="0"/>
+                </a:lnTo>
+              </a:path>
+            </a:pathLst>
+          </a:custGeom>
+          <a:noFill/>
+          <a:ln w="19050">
+            <a:solidFill>
+              <a:schemeClr val="accent3"/>
+            </a:solidFill>
+            <a:prstDash val="sysDot"/>
+            <a:headEnd type="none" w="med" len="med"/>
+            <a:tailEnd type="arrow" w="med" len="med"/>
+          </a:ln>
+          <a:effectLst/>
+        </p:spPr>
+        <p:style>
+          <a:lnRef idx="1">
+            <a:schemeClr val="accent2"/>
+          </a:lnRef>
+          <a:fillRef idx="2">
+            <a:schemeClr val="accent2"/>
+          </a:fillRef>
+          <a:effectRef idx="1">
+            <a:schemeClr val="accent2"/>
+          </a:effectRef>
+          <a:fontRef idx="minor">
+            <a:schemeClr val="dk1"/>
+          </a:fontRef>
+        </p:style>
+        <p:txBody>
+          <a:bodyPr rtlCol="0" anchor="ctr"/>
+          <a:lstStyle/>
+          <a:p>
+            <a:pPr algn="ctr"/>
+            <a:endParaRPr lang="en-SG"/>
+          </a:p>
+        </p:txBody>
+      </p:sp>
+      <p:sp>
+        <p:nvSpPr>
+          <p:cNvPr id="55" name="Rectangle 54"/>
+          <p:cNvSpPr/>
+          <p:nvPr/>
+        </p:nvSpPr>
+        <p:spPr>
+          <a:xfrm>
+            <a:off x="5396513" y="5156985"/>
+            <a:ext cx="229325" cy="160062"/>
+          </a:xfrm>
+          <a:prstGeom prst="rect">
+            <a:avLst/>
+          </a:prstGeom>
+          <a:solidFill>
+            <a:schemeClr val="accent3">
+              <a:lumMod val="20000"/>
+              <a:lumOff val="80000"/>
+              <a:alpha val="80000"/>
+            </a:schemeClr>
+          </a:solidFill>
+          <a:ln>
+            <a:noFill/>
+          </a:ln>
+          <a:effectLst>
+            <a:softEdge rad="31750"/>
+          </a:effectLst>
+        </p:spPr>
+        <p:style>
+          <a:lnRef idx="2">
+            <a:schemeClr val="accent1">
+              <a:shade val="50000"/>
+            </a:schemeClr>
+          </a:lnRef>
+          <a:fillRef idx="1">
+            <a:schemeClr val="accent1"/>
+          </a:fillRef>
+          <a:effectRef idx="0">
+            <a:schemeClr val="accent1"/>
+          </a:effectRef>
+          <a:fontRef idx="minor">
+            <a:schemeClr val="lt1"/>
           </a:fontRef>
         </p:style>
         <p:txBody>

--- a/docs/diagrams/UiComponentClassDiagram.pptx
+++ b/docs/diagrams/UiComponentClassDiagram.pptx
@@ -4863,8 +4863,8 @@
         </p:nvSpPr>
         <p:spPr>
           <a:xfrm rot="16200000">
-            <a:off x="6213739" y="4560376"/>
-            <a:ext cx="1371599" cy="328045"/>
+            <a:off x="6055893" y="4718220"/>
+            <a:ext cx="1687291" cy="328045"/>
           </a:xfrm>
           <a:prstGeom prst="roundRect">
             <a:avLst/>
@@ -5557,17 +5557,7 @@
                   </a:schemeClr>
                 </a:solidFill>
               </a:rPr>
-              <a:t>Task</a:t>
-            </a:r>
-            <a:r>
-              <a:rPr lang="en-US" sz="1050" b="1" dirty="0" err="1" smtClean="0">
-                <a:solidFill>
-                  <a:schemeClr val="accent3">
-                    <a:lumMod val="75000"/>
-                  </a:schemeClr>
-                </a:solidFill>
-              </a:rPr>
-              <a:t>ListPanel</a:t>
+              <a:t>TaskListPanel</a:t>
             </a:r>
             <a:endParaRPr lang="en-SG" sz="1050" b="1" dirty="0">
               <a:solidFill>
@@ -5703,17 +5693,7 @@
                   </a:schemeClr>
                 </a:solidFill>
               </a:rPr>
-              <a:t>Task</a:t>
-            </a:r>
-            <a:r>
-              <a:rPr lang="en-US" sz="1050" b="1" dirty="0" err="1" smtClean="0">
-                <a:solidFill>
-                  <a:schemeClr val="accent3">
-                    <a:lumMod val="75000"/>
-                  </a:schemeClr>
-                </a:solidFill>
-              </a:rPr>
-              <a:t>Card</a:t>
+              <a:t>TaskCard</a:t>
             </a:r>
             <a:endParaRPr lang="en-SG" sz="1050" b="1" dirty="0">
               <a:solidFill>
